--- a/Prototype Presentation/Autobook Prototype Presentation w NO VIDEOS.pptx
+++ b/Prototype Presentation/Autobook Prototype Presentation w NO VIDEOS.pptx
@@ -127,7 +127,7 @@
   </p:defaultTextStyle>
   <p:extLst>
     <p:ext uri="{EFAFB233-063F-42B5-8137-9DF3F51BA10A}">
-      <p15:sldGuideLst xmlns:p15="http://schemas.microsoft.com/office/powerpoint/2012/main">
+      <p15:sldGuideLst xmlns:p15="http://schemas.microsoft.com/office/powerpoint/2012/main" xmlns="">
         <p15:guide id="1" orient="horz" pos="2160">
           <p15:clr>
             <a:srgbClr val="A4A3A4"/>
@@ -231,7 +231,7 @@
       </p15:sldGuideLst>
     </p:ext>
     <p:ext uri="{2D200454-40CA-4A62-9FC3-DE9A4176ACB9}">
-      <p15:notesGuideLst xmlns:p15="http://schemas.microsoft.com/office/powerpoint/2012/main"/>
+      <p15:notesGuideLst xmlns:p15="http://schemas.microsoft.com/office/powerpoint/2012/main" xmlns=""/>
     </p:ext>
   </p:extLst>
 </p:presentation>
@@ -385,7 +385,7 @@
           <a:p>
             <a:fld id="{D9F912AB-2776-42F2-A957-313FC7EFEDB9}" type="slidenum">
               <a:rPr/>
-              <a:t>‹nr.›</a:t>
+              <a:t>‹#›</a:t>
             </a:fld>
             <a:endParaRPr/>
           </a:p>
@@ -642,7 +642,7 @@
           <a:p>
             <a:fld id="{F93199CD-3E1B-4AE6-990F-76F925F5EA9F}" type="slidenum">
               <a:rPr/>
-              <a:t>‹nr.›</a:t>
+              <a:t>‹#›</a:t>
             </a:fld>
             <a:endParaRPr/>
           </a:p>
@@ -1380,7 +1380,7 @@
           <a:p>
             <a:fld id="{2A013F82-EE5E-44EE-A61D-E31C6657F26F}" type="slidenum">
               <a:rPr/>
-              <a:t>‹nr.›</a:t>
+              <a:t>‹#›</a:t>
             </a:fld>
             <a:endParaRPr/>
           </a:p>
@@ -1579,7 +1579,7 @@
           <a:p>
             <a:fld id="{2A013F82-EE5E-44EE-A61D-E31C6657F26F}" type="slidenum">
               <a:rPr/>
-              <a:t>‹nr.›</a:t>
+              <a:t>‹#›</a:t>
             </a:fld>
             <a:endParaRPr/>
           </a:p>
@@ -1775,7 +1775,7 @@
           <a:p>
             <a:fld id="{2A013F82-EE5E-44EE-A61D-E31C6657F26F}" type="slidenum">
               <a:rPr/>
-              <a:t>‹nr.›</a:t>
+              <a:t>‹#›</a:t>
             </a:fld>
             <a:endParaRPr/>
           </a:p>
@@ -2062,7 +2062,7 @@
           <a:p>
             <a:fld id="{2A013F82-EE5E-44EE-A61D-E31C6657F26F}" type="slidenum">
               <a:rPr/>
-              <a:t>‹nr.›</a:t>
+              <a:t>‹#›</a:t>
             </a:fld>
             <a:endParaRPr/>
           </a:p>
@@ -2378,7 +2378,7 @@
           <a:p>
             <a:fld id="{2A013F82-EE5E-44EE-A61D-E31C6657F26F}" type="slidenum">
               <a:rPr/>
-              <a:t>‹nr.›</a:t>
+              <a:t>‹#›</a:t>
             </a:fld>
             <a:endParaRPr/>
           </a:p>
@@ -2846,7 +2846,7 @@
           <a:p>
             <a:fld id="{2A013F82-EE5E-44EE-A61D-E31C6657F26F}" type="slidenum">
               <a:rPr/>
-              <a:t>‹nr.›</a:t>
+              <a:t>‹#›</a:t>
             </a:fld>
             <a:endParaRPr/>
           </a:p>
@@ -2983,7 +2983,7 @@
           <a:p>
             <a:fld id="{2A013F82-EE5E-44EE-A61D-E31C6657F26F}" type="slidenum">
               <a:rPr/>
-              <a:t>‹nr.›</a:t>
+              <a:t>‹#›</a:t>
             </a:fld>
             <a:endParaRPr/>
           </a:p>
@@ -3105,7 +3105,7 @@
           <a:p>
             <a:fld id="{2A013F82-EE5E-44EE-A61D-E31C6657F26F}" type="slidenum">
               <a:rPr/>
-              <a:t>‹nr.›</a:t>
+              <a:t>‹#›</a:t>
             </a:fld>
             <a:endParaRPr/>
           </a:p>
@@ -3434,7 +3434,7 @@
           <a:p>
             <a:fld id="{2A013F82-EE5E-44EE-A61D-E31C6657F26F}" type="slidenum">
               <a:rPr/>
-              <a:t>‹nr.›</a:t>
+              <a:t>‹#›</a:t>
             </a:fld>
             <a:endParaRPr/>
           </a:p>
@@ -3754,7 +3754,7 @@
             <a:fld id="{2A013F82-EE5E-44EE-A61D-E31C6657F26F}" type="slidenum">
               <a:rPr/>
               <a:pPr/>
-              <a:t>‹nr.›</a:t>
+              <a:t>‹#›</a:t>
             </a:fld>
             <a:endParaRPr/>
           </a:p>
@@ -4033,7 +4033,7 @@
             <a:fld id="{2A013F82-EE5E-44EE-A61D-E31C6657F26F}" type="slidenum">
               <a:rPr/>
               <a:pPr/>
-              <a:t>‹nr.›</a:t>
+              <a:t>‹#›</a:t>
             </a:fld>
             <a:endParaRPr/>
           </a:p>
@@ -5845,7 +5845,7 @@
           <a:bodyPr/>
           <a:lstStyle/>
           <a:p>
-            <a:endParaRPr lang="en-US"/>
+            <a:endParaRPr lang="en-US" dirty="0"/>
           </a:p>
         </p:txBody>
       </p:sp>
@@ -5921,21 +5921,117 @@
           </a:p>
         </p:txBody>
       </p:sp>
-      <p:sp>
-        <p:nvSpPr>
-          <p:cNvPr id="3" name="Pladsholder til indhold 2"/>
-          <p:cNvSpPr>
-            <a:spLocks noGrp="1"/>
-          </p:cNvSpPr>
+      <p:pic>
+        <p:nvPicPr>
+          <p:cNvPr id="4" name="Content Placeholder 3"/>
+          <p:cNvPicPr>
+            <a:picLocks noGrp="1" noChangeAspect="1"/>
+          </p:cNvPicPr>
           <p:nvPr>
             <p:ph idx="1"/>
           </p:nvPr>
+        </p:nvPicPr>
+        <p:blipFill>
+          <a:blip r:embed="rId2">
+            <a:extLst>
+              <a:ext uri="{28A0092B-C50C-407E-A947-70E740481C1C}">
+                <a14:useLocalDpi xmlns:a14="http://schemas.microsoft.com/office/drawing/2010/main" val="0"/>
+              </a:ext>
+            </a:extLst>
+          </a:blip>
+          <a:stretch>
+            <a:fillRect/>
+          </a:stretch>
+        </p:blipFill>
+        <p:spPr>
+          <a:xfrm>
+            <a:off x="5950396" y="116632"/>
+            <a:ext cx="6048672" cy="2167779"/>
+          </a:xfrm>
+        </p:spPr>
+      </p:pic>
+      <p:sp>
+        <p:nvSpPr>
+          <p:cNvPr id="7" name="TextBox 6"/>
+          <p:cNvSpPr txBox="1"/>
+          <p:nvPr/>
         </p:nvSpPr>
-        <p:spPr/>
+        <p:spPr>
+          <a:xfrm>
+            <a:off x="1629916" y="2780928"/>
+            <a:ext cx="8928992" cy="3139321"/>
+          </a:xfrm>
+          <a:prstGeom prst="rect">
+            <a:avLst/>
+          </a:prstGeom>
+          <a:noFill/>
+        </p:spPr>
         <p:txBody>
-          <a:bodyPr/>
+          <a:bodyPr wrap="square" rtlCol="0">
+            <a:spAutoFit/>
+          </a:bodyPr>
           <a:lstStyle/>
           <a:p>
+            <a:r>
+              <a:rPr lang="da-DK" dirty="0" smtClean="0"/>
+              <a:t> </a:t>
+            </a:r>
+            <a:r>
+              <a:rPr lang="en-US" dirty="0"/>
+              <a:t>SQLite database created using the </a:t>
+            </a:r>
+            <a:r>
+              <a:rPr lang="en-US" dirty="0" err="1"/>
+              <a:t>SQLiteOpenHelper</a:t>
+            </a:r>
+            <a:r>
+              <a:rPr lang="en-US" dirty="0"/>
+              <a:t> class and is stored locally on the mobile device</a:t>
+            </a:r>
+            <a:r>
+              <a:rPr lang="en-US" dirty="0" smtClean="0"/>
+              <a:t>.</a:t>
+            </a:r>
+          </a:p>
+          <a:p>
+            <a:endParaRPr lang="en-US" dirty="0"/>
+          </a:p>
+          <a:p>
+            <a:r>
+              <a:rPr lang="en-US" dirty="0"/>
+              <a:t>All queries to the database are done though the class </a:t>
+            </a:r>
+            <a:r>
+              <a:rPr lang="en-US" dirty="0" err="1"/>
+              <a:t>MyDatabaseHandler</a:t>
+            </a:r>
+            <a:r>
+              <a:rPr lang="en-US" dirty="0"/>
+              <a:t> which simplifies the inputs needed to do a query and does some basic data manipulation to make the data easily readable by other parts of the </a:t>
+            </a:r>
+            <a:r>
+              <a:rPr lang="en-US"/>
+              <a:t>system</a:t>
+            </a:r>
+            <a:r>
+              <a:rPr lang="en-US" smtClean="0"/>
+              <a:t>.</a:t>
+            </a:r>
+          </a:p>
+          <a:p>
+            <a:endParaRPr lang="en-US" dirty="0"/>
+          </a:p>
+          <a:p>
+            <a:r>
+              <a:rPr lang="en-US" dirty="0"/>
+              <a:t>Database does not support all CRUD commands for every table yet. The next features to be implemented after/during spring break is the ability the update existing rows in the different tables. </a:t>
+            </a:r>
+          </a:p>
+          <a:p>
+            <a:r>
+              <a:rPr lang="da-DK" dirty="0" smtClean="0"/>
+              <a:t> </a:t>
+            </a:r>
             <a:endParaRPr lang="en-US" dirty="0"/>
           </a:p>
         </p:txBody>
